--- a/java/Basic-Data-Structures.pptx
+++ b/java/Basic-Data-Structures.pptx
@@ -6,7 +6,7 @@
   </p:sldMasterIdLst>
   <p:sldIdLst>
     <p:sldId id="256" r:id="rId2"/>
-    <p:sldId id="257" r:id="rId3"/>
+    <p:sldId id="313" r:id="rId3"/>
     <p:sldId id="276" r:id="rId4"/>
     <p:sldId id="258" r:id="rId5"/>
     <p:sldId id="259" r:id="rId6"/>
@@ -58,7 +58,9 @@
     <p:sldId id="300" r:id="rId52"/>
     <p:sldId id="301" r:id="rId53"/>
     <p:sldId id="302" r:id="rId54"/>
-    <p:sldId id="303" r:id="rId55"/>
+    <p:sldId id="312" r:id="rId55"/>
+    <p:sldId id="311" r:id="rId56"/>
+    <p:sldId id="303" r:id="rId57"/>
   </p:sldIdLst>
   <p:sldSz cx="12192000" cy="6858000"/>
   <p:notesSz cx="6858000" cy="9144000"/>
@@ -3472,7 +3474,7 @@
         </p:spPr>
         <p:txBody>
           <a:bodyPr>
-            <a:normAutofit fontScale="92500" lnSpcReduction="20000"/>
+            <a:normAutofit fontScale="70000" lnSpcReduction="20000"/>
           </a:bodyPr>
           <a:lstStyle/>
           <a:p>
@@ -3484,7 +3486,7 @@
           <a:p>
             <a:r>
               <a:rPr lang="fr-FR" dirty="0"/>
-              <a:t>https://</a:t>
+              <a:t>https://github.com/Arnaud-Nauwynck/presentations/blob/main/java/Basic-Data-Structures.pdf</a:t>
             </a:r>
           </a:p>
         </p:txBody>
@@ -7397,6 +7399,144 @@
           </a:p>
         </p:txBody>
       </p:sp>
+      <p:sp>
+        <p:nvSpPr>
+          <p:cNvPr id="29" name="Arrow: Right 28">
+            <a:extLst>
+              <a:ext uri="{FF2B5EF4-FFF2-40B4-BE49-F238E27FC236}">
+                <a16:creationId xmlns:a16="http://schemas.microsoft.com/office/drawing/2014/main" id="{25F3CD77-CDBF-57B5-0D6A-52850B1B41AA}"/>
+              </a:ext>
+            </a:extLst>
+          </p:cNvPr>
+          <p:cNvSpPr/>
+          <p:nvPr/>
+        </p:nvSpPr>
+        <p:spPr>
+          <a:xfrm rot="10800000" flipH="1">
+            <a:off x="4784493" y="3809434"/>
+            <a:ext cx="218305" cy="362858"/>
+          </a:xfrm>
+          <a:prstGeom prst="rightArrow">
+            <a:avLst/>
+          </a:prstGeom>
+        </p:spPr>
+        <p:style>
+          <a:lnRef idx="2">
+            <a:schemeClr val="accent1">
+              <a:shade val="50000"/>
+            </a:schemeClr>
+          </a:lnRef>
+          <a:fillRef idx="1">
+            <a:schemeClr val="accent1"/>
+          </a:fillRef>
+          <a:effectRef idx="0">
+            <a:schemeClr val="accent1"/>
+          </a:effectRef>
+          <a:fontRef idx="minor">
+            <a:schemeClr val="lt1"/>
+          </a:fontRef>
+        </p:style>
+        <p:txBody>
+          <a:bodyPr rtlCol="0" anchor="ctr"/>
+          <a:lstStyle/>
+          <a:p>
+            <a:pPr algn="ctr"/>
+            <a:endParaRPr lang="fr-FR"/>
+          </a:p>
+        </p:txBody>
+      </p:sp>
+      <p:sp>
+        <p:nvSpPr>
+          <p:cNvPr id="30" name="Arrow: Right 29">
+            <a:extLst>
+              <a:ext uri="{FF2B5EF4-FFF2-40B4-BE49-F238E27FC236}">
+                <a16:creationId xmlns:a16="http://schemas.microsoft.com/office/drawing/2014/main" id="{11F0ABCB-6EF3-83CD-A951-E661B846EC84}"/>
+              </a:ext>
+            </a:extLst>
+          </p:cNvPr>
+          <p:cNvSpPr/>
+          <p:nvPr/>
+        </p:nvSpPr>
+        <p:spPr>
+          <a:xfrm rot="10800000" flipH="1">
+            <a:off x="5188101" y="3809435"/>
+            <a:ext cx="218305" cy="362858"/>
+          </a:xfrm>
+          <a:prstGeom prst="rightArrow">
+            <a:avLst/>
+          </a:prstGeom>
+        </p:spPr>
+        <p:style>
+          <a:lnRef idx="2">
+            <a:schemeClr val="accent1">
+              <a:shade val="50000"/>
+            </a:schemeClr>
+          </a:lnRef>
+          <a:fillRef idx="1">
+            <a:schemeClr val="accent1"/>
+          </a:fillRef>
+          <a:effectRef idx="0">
+            <a:schemeClr val="accent1"/>
+          </a:effectRef>
+          <a:fontRef idx="minor">
+            <a:schemeClr val="lt1"/>
+          </a:fontRef>
+        </p:style>
+        <p:txBody>
+          <a:bodyPr rtlCol="0" anchor="ctr"/>
+          <a:lstStyle/>
+          <a:p>
+            <a:pPr algn="ctr"/>
+            <a:endParaRPr lang="fr-FR"/>
+          </a:p>
+        </p:txBody>
+      </p:sp>
+      <p:sp>
+        <p:nvSpPr>
+          <p:cNvPr id="36" name="Arrow: Right 35">
+            <a:extLst>
+              <a:ext uri="{FF2B5EF4-FFF2-40B4-BE49-F238E27FC236}">
+                <a16:creationId xmlns:a16="http://schemas.microsoft.com/office/drawing/2014/main" id="{878E7B00-5A6B-4201-0BB6-E740CC1B6DB2}"/>
+              </a:ext>
+            </a:extLst>
+          </p:cNvPr>
+          <p:cNvSpPr/>
+          <p:nvPr/>
+        </p:nvSpPr>
+        <p:spPr>
+          <a:xfrm rot="10800000" flipH="1">
+            <a:off x="6080163" y="3811532"/>
+            <a:ext cx="218305" cy="362858"/>
+          </a:xfrm>
+          <a:prstGeom prst="rightArrow">
+            <a:avLst/>
+          </a:prstGeom>
+        </p:spPr>
+        <p:style>
+          <a:lnRef idx="2">
+            <a:schemeClr val="accent1">
+              <a:shade val="50000"/>
+            </a:schemeClr>
+          </a:lnRef>
+          <a:fillRef idx="1">
+            <a:schemeClr val="accent1"/>
+          </a:fillRef>
+          <a:effectRef idx="0">
+            <a:schemeClr val="accent1"/>
+          </a:effectRef>
+          <a:fontRef idx="minor">
+            <a:schemeClr val="lt1"/>
+          </a:fontRef>
+        </p:style>
+        <p:txBody>
+          <a:bodyPr rtlCol="0" anchor="ctr"/>
+          <a:lstStyle/>
+          <a:p>
+            <a:pPr algn="ctr"/>
+            <a:endParaRPr lang="fr-FR"/>
+          </a:p>
+        </p:txBody>
+      </p:sp>
     </p:spTree>
     <p:extLst>
       <p:ext uri="{BB962C8B-B14F-4D97-AF65-F5344CB8AC3E}">
@@ -8084,7 +8224,7 @@
           <p:cNvPr id="2" name="Title 1">
             <a:extLst>
               <a:ext uri="{FF2B5EF4-FFF2-40B4-BE49-F238E27FC236}">
-                <a16:creationId xmlns:a16="http://schemas.microsoft.com/office/drawing/2014/main" id="{C57B91B7-5483-1D20-86A7-AB1794D1DD18}"/>
+                <a16:creationId xmlns:a16="http://schemas.microsoft.com/office/drawing/2014/main" id="{F8C6CC92-09C9-F86E-51B7-426F1FF0D4D8}"/>
               </a:ext>
             </a:extLst>
           </p:cNvPr>
@@ -8095,25 +8235,333 @@
             <p:ph type="title"/>
           </p:nvPr>
         </p:nvSpPr>
-        <p:spPr>
-          <a:xfrm>
-            <a:off x="838200" y="134298"/>
-            <a:ext cx="10515600" cy="1130762"/>
-          </a:xfrm>
-        </p:spPr>
+        <p:spPr/>
         <p:txBody>
           <a:bodyPr/>
           <a:lstStyle/>
           <a:p>
             <a:pPr algn="ctr"/>
+            <a:r>
+              <a:rPr lang="fr-FR" dirty="0" err="1"/>
+              <a:t>Outline</a:t>
+            </a:r>
             <a:endParaRPr lang="fr-FR" dirty="0"/>
+          </a:p>
+        </p:txBody>
+      </p:sp>
+      <p:sp>
+        <p:nvSpPr>
+          <p:cNvPr id="3" name="Content Placeholder 2">
+            <a:extLst>
+              <a:ext uri="{FF2B5EF4-FFF2-40B4-BE49-F238E27FC236}">
+                <a16:creationId xmlns:a16="http://schemas.microsoft.com/office/drawing/2014/main" id="{E45F8EF2-BAC6-C987-B357-9214E766EFB8}"/>
+              </a:ext>
+            </a:extLst>
+          </p:cNvPr>
+          <p:cNvSpPr>
+            <a:spLocks noGrp="1"/>
+          </p:cNvSpPr>
+          <p:nvPr>
+            <p:ph idx="1"/>
+          </p:nvPr>
+        </p:nvSpPr>
+        <p:spPr/>
+        <p:txBody>
+          <a:bodyPr>
+            <a:normAutofit fontScale="77500" lnSpcReduction="20000"/>
+          </a:bodyPr>
+          <a:lstStyle/>
+          <a:p>
+            <a:r>
+              <a:rPr lang="fr-FR" dirty="0" err="1"/>
+              <a:t>ArrayList</a:t>
+            </a:r>
+            <a:endParaRPr lang="fr-FR" dirty="0"/>
+          </a:p>
+          <a:p>
+            <a:pPr lvl="1"/>
+            <a:r>
+              <a:rPr lang="fr-FR" dirty="0" err="1"/>
+              <a:t>add</a:t>
+            </a:r>
+            <a:r>
+              <a:rPr lang="fr-FR" dirty="0"/>
+              <a:t> / </a:t>
+            </a:r>
+            <a:r>
+              <a:rPr lang="fr-FR" dirty="0" err="1"/>
+              <a:t>indexOf</a:t>
+            </a:r>
+            <a:r>
+              <a:rPr lang="fr-FR" dirty="0"/>
+              <a:t> / </a:t>
+            </a:r>
+            <a:r>
+              <a:rPr lang="fr-FR" dirty="0" err="1"/>
+              <a:t>remove</a:t>
+            </a:r>
+            <a:r>
+              <a:rPr lang="fr-FR" dirty="0"/>
+              <a:t> </a:t>
+            </a:r>
+          </a:p>
+          <a:p>
+            <a:pPr lvl="1"/>
+            <a:r>
+              <a:rPr lang="fr-FR" dirty="0" err="1"/>
+              <a:t>resize</a:t>
+            </a:r>
+            <a:r>
+              <a:rPr lang="fr-FR" dirty="0"/>
+              <a:t> </a:t>
+            </a:r>
+          </a:p>
+          <a:p>
+            <a:r>
+              <a:rPr lang="fr-FR" dirty="0" err="1"/>
+              <a:t>LinkedList</a:t>
+            </a:r>
+            <a:endParaRPr lang="fr-FR" dirty="0"/>
+          </a:p>
+          <a:p>
+            <a:r>
+              <a:rPr lang="fr-FR" dirty="0" err="1"/>
+              <a:t>Arrays.sort</a:t>
+            </a:r>
+            <a:r>
+              <a:rPr lang="fr-FR" dirty="0"/>
+              <a:t>, Tim Sort</a:t>
+            </a:r>
+          </a:p>
+          <a:p>
+            <a:r>
+              <a:rPr lang="fr-FR" dirty="0" err="1"/>
+              <a:t>HashMap</a:t>
+            </a:r>
+            <a:endParaRPr lang="fr-FR" dirty="0"/>
+          </a:p>
+          <a:p>
+            <a:pPr lvl="1"/>
+            <a:r>
+              <a:rPr lang="fr-FR" dirty="0" err="1"/>
+              <a:t>hashCode</a:t>
+            </a:r>
+            <a:r>
+              <a:rPr lang="fr-FR" dirty="0"/>
+              <a:t>, modulo or power 2, collisions</a:t>
+            </a:r>
+          </a:p>
+          <a:p>
+            <a:pPr lvl="1"/>
+            <a:r>
+              <a:rPr lang="fr-FR" dirty="0" err="1"/>
+              <a:t>resize</a:t>
+            </a:r>
+            <a:endParaRPr lang="fr-FR" dirty="0"/>
+          </a:p>
+          <a:p>
+            <a:pPr lvl="1"/>
+            <a:r>
+              <a:rPr lang="fr-FR" dirty="0"/>
+              <a:t>Put, </a:t>
+            </a:r>
+            <a:r>
+              <a:rPr lang="fr-FR" dirty="0" err="1"/>
+              <a:t>get</a:t>
+            </a:r>
+            <a:r>
+              <a:rPr lang="fr-FR" dirty="0"/>
+              <a:t>, </a:t>
+            </a:r>
+            <a:r>
+              <a:rPr lang="fr-FR" dirty="0" err="1"/>
+              <a:t>remove</a:t>
+            </a:r>
+            <a:r>
+              <a:rPr lang="fr-FR" dirty="0"/>
+              <a:t>, </a:t>
+            </a:r>
+            <a:r>
+              <a:rPr lang="fr-FR" dirty="0" err="1"/>
+              <a:t>iterate</a:t>
+            </a:r>
+            <a:endParaRPr lang="fr-FR" dirty="0"/>
+          </a:p>
+          <a:p>
+            <a:r>
+              <a:rPr lang="fr-FR" dirty="0" err="1"/>
+              <a:t>TreeMap</a:t>
+            </a:r>
+            <a:endParaRPr lang="fr-FR" dirty="0"/>
+          </a:p>
+          <a:p>
+            <a:pPr lvl="1"/>
+            <a:r>
+              <a:rPr lang="fr-FR" dirty="0" err="1"/>
+              <a:t>balanced</a:t>
+            </a:r>
+            <a:r>
+              <a:rPr lang="fr-FR" dirty="0"/>
+              <a:t> </a:t>
+            </a:r>
+            <a:r>
+              <a:rPr lang="fr-FR" dirty="0" err="1"/>
+              <a:t>tree</a:t>
+            </a:r>
+            <a:r>
+              <a:rPr lang="fr-FR" dirty="0"/>
+              <a:t>, </a:t>
+            </a:r>
+            <a:r>
+              <a:rPr lang="fr-FR" dirty="0" err="1"/>
+              <a:t>red</a:t>
+            </a:r>
+            <a:r>
+              <a:rPr lang="fr-FR" dirty="0"/>
+              <a:t>-black </a:t>
+            </a:r>
+            <a:r>
+              <a:rPr lang="fr-FR" dirty="0" err="1"/>
+              <a:t>tree</a:t>
+            </a:r>
+            <a:endParaRPr lang="fr-FR" dirty="0"/>
+          </a:p>
+          <a:p>
+            <a:pPr lvl="1"/>
+            <a:r>
+              <a:rPr lang="fr-FR" dirty="0"/>
+              <a:t>Put, </a:t>
+            </a:r>
+            <a:r>
+              <a:rPr lang="fr-FR" dirty="0" err="1"/>
+              <a:t>get</a:t>
+            </a:r>
+            <a:r>
+              <a:rPr lang="fr-FR" dirty="0"/>
+              <a:t>, </a:t>
+            </a:r>
+            <a:r>
+              <a:rPr lang="fr-FR" dirty="0" err="1"/>
+              <a:t>remove</a:t>
+            </a:r>
+            <a:r>
+              <a:rPr lang="fr-FR" dirty="0"/>
+              <a:t>, </a:t>
+            </a:r>
+            <a:r>
+              <a:rPr lang="fr-FR" dirty="0" err="1"/>
+              <a:t>iterate</a:t>
+            </a:r>
+            <a:endParaRPr lang="fr-FR" dirty="0"/>
+          </a:p>
+          <a:p>
+            <a:r>
+              <a:rPr lang="fr-FR" dirty="0" err="1"/>
+              <a:t>PriorityQueue</a:t>
+            </a:r>
+            <a:endParaRPr lang="fr-FR" dirty="0"/>
+          </a:p>
+          <a:p>
+            <a:pPr lvl="1"/>
+            <a:r>
+              <a:rPr lang="fr-FR" dirty="0" err="1"/>
+              <a:t>Offer</a:t>
+            </a:r>
+            <a:r>
+              <a:rPr lang="fr-FR" dirty="0"/>
+              <a:t>, </a:t>
+            </a:r>
+            <a:r>
+              <a:rPr lang="fr-FR" dirty="0" err="1"/>
+              <a:t>poll</a:t>
+            </a:r>
+            <a:endParaRPr lang="fr-FR" dirty="0"/>
+          </a:p>
+        </p:txBody>
+      </p:sp>
+      <p:sp>
+        <p:nvSpPr>
+          <p:cNvPr id="4" name="TextBox 3">
+            <a:extLst>
+              <a:ext uri="{FF2B5EF4-FFF2-40B4-BE49-F238E27FC236}">
+                <a16:creationId xmlns:a16="http://schemas.microsoft.com/office/drawing/2014/main" id="{C5AF3D9C-9ED3-CF7E-D79D-4C304C56690C}"/>
+              </a:ext>
+            </a:extLst>
+          </p:cNvPr>
+          <p:cNvSpPr txBox="1"/>
+          <p:nvPr/>
+        </p:nvSpPr>
+        <p:spPr>
+          <a:xfrm>
+            <a:off x="6160416" y="2630079"/>
+            <a:ext cx="6101350" cy="2246769"/>
+          </a:xfrm>
+          <a:prstGeom prst="rect">
+            <a:avLst/>
+          </a:prstGeom>
+          <a:noFill/>
+        </p:spPr>
+        <p:txBody>
+          <a:bodyPr wrap="none" rtlCol="0">
+            <a:spAutoFit/>
+          </a:bodyPr>
+          <a:lstStyle/>
+          <a:p>
+            <a:r>
+              <a:rPr lang="fr-FR" sz="2800" dirty="0"/>
+              <a:t>All </a:t>
+            </a:r>
+            <a:r>
+              <a:rPr lang="fr-FR" sz="2800" dirty="0" err="1"/>
+              <a:t>with</a:t>
+            </a:r>
+            <a:r>
+              <a:rPr lang="fr-FR" sz="2800" dirty="0"/>
+              <a:t> </a:t>
+            </a:r>
+            <a:br>
+              <a:rPr lang="fr-FR" sz="2800" dirty="0"/>
+            </a:br>
+            <a:r>
+              <a:rPr lang="fr-FR" sz="2800" dirty="0" err="1"/>
+              <a:t>Schemas</a:t>
+            </a:r>
+            <a:endParaRPr lang="fr-FR" sz="2800" dirty="0"/>
+          </a:p>
+          <a:p>
+            <a:r>
+              <a:rPr lang="fr-FR" sz="2800" dirty="0"/>
+              <a:t>+ </a:t>
+            </a:r>
+            <a:r>
+              <a:rPr lang="fr-FR" sz="2800" dirty="0" err="1"/>
+              <a:t>Algorithms</a:t>
+            </a:r>
+            <a:endParaRPr lang="fr-FR" sz="2800" dirty="0"/>
+          </a:p>
+          <a:p>
+            <a:r>
+              <a:rPr lang="fr-FR" sz="2800" dirty="0"/>
+              <a:t>+ Associated </a:t>
+            </a:r>
+            <a:r>
+              <a:rPr lang="fr-FR" sz="2800" dirty="0" err="1"/>
+              <a:t>Complexity</a:t>
+            </a:r>
+            <a:endParaRPr lang="fr-FR" sz="2800" dirty="0"/>
+          </a:p>
+          <a:p>
+            <a:r>
+              <a:rPr lang="fr-FR" sz="2800" dirty="0"/>
+              <a:t>  O(1), O(log N), O(N), O(N log N), O(n2)..</a:t>
+            </a:r>
           </a:p>
         </p:txBody>
       </p:sp>
     </p:spTree>
     <p:extLst>
       <p:ext uri="{BB962C8B-B14F-4D97-AF65-F5344CB8AC3E}">
-        <p14:creationId xmlns:p14="http://schemas.microsoft.com/office/powerpoint/2010/main" val="347296372"/>
+        <p14:creationId xmlns:p14="http://schemas.microsoft.com/office/powerpoint/2010/main" val="1795413644"/>
       </p:ext>
     </p:extLst>
   </p:cSld>
@@ -39413,7 +39861,7 @@
           <p:cNvPr id="2" name="Title 1">
             <a:extLst>
               <a:ext uri="{FF2B5EF4-FFF2-40B4-BE49-F238E27FC236}">
-                <a16:creationId xmlns:a16="http://schemas.microsoft.com/office/drawing/2014/main" id="{C57B91B7-5483-1D20-86A7-AB1794D1DD18}"/>
+                <a16:creationId xmlns:a16="http://schemas.microsoft.com/office/drawing/2014/main" id="{071EC62C-E15F-413F-63EB-36A80261063C}"/>
               </a:ext>
             </a:extLst>
           </p:cNvPr>
@@ -39424,59 +39872,605 @@
             <p:ph type="title"/>
           </p:nvPr>
         </p:nvSpPr>
-        <p:spPr>
-          <a:xfrm>
-            <a:off x="838200" y="134298"/>
+        <p:spPr/>
+        <p:txBody>
+          <a:bodyPr/>
+          <a:lstStyle/>
+          <a:p>
+            <a:pPr algn="ctr"/>
+            <a:r>
+              <a:rPr lang="fr-FR" dirty="0" err="1"/>
+              <a:t>Libraries</a:t>
+            </a:r>
+            <a:r>
+              <a:rPr lang="fr-FR" dirty="0"/>
+              <a:t> for Collection &amp; </a:t>
+            </a:r>
+            <a:r>
+              <a:rPr lang="fr-FR" dirty="0" err="1"/>
+              <a:t>Algorithms</a:t>
+            </a:r>
+            <a:br>
+              <a:rPr lang="fr-FR" dirty="0"/>
+            </a:br>
+            <a:r>
+              <a:rPr lang="fr-FR" dirty="0"/>
+              <a:t>big </a:t>
+            </a:r>
+            <a:r>
+              <a:rPr lang="fr-FR" dirty="0" err="1"/>
+              <a:t>ecosystem</a:t>
+            </a:r>
+            <a:r>
+              <a:rPr lang="fr-FR" dirty="0"/>
+              <a:t>, but </a:t>
+            </a:r>
+            <a:r>
+              <a:rPr lang="fr-FR" dirty="0" err="1"/>
+              <a:t>jdk</a:t>
+            </a:r>
+            <a:r>
+              <a:rPr lang="fr-FR" dirty="0"/>
+              <a:t> </a:t>
+            </a:r>
+            <a:r>
+              <a:rPr lang="fr-FR" dirty="0" err="1"/>
+              <a:t>is</a:t>
+            </a:r>
+            <a:r>
+              <a:rPr lang="fr-FR" dirty="0"/>
+              <a:t> </a:t>
+            </a:r>
+            <a:r>
+              <a:rPr lang="fr-FR" dirty="0" err="1"/>
+              <a:t>often</a:t>
+            </a:r>
+            <a:r>
+              <a:rPr lang="fr-FR" dirty="0"/>
+              <a:t> </a:t>
+            </a:r>
+            <a:r>
+              <a:rPr lang="fr-FR" dirty="0" err="1"/>
+              <a:t>enough</a:t>
+            </a:r>
+            <a:endParaRPr lang="fr-FR" dirty="0"/>
+          </a:p>
+        </p:txBody>
+      </p:sp>
+      <p:sp>
+        <p:nvSpPr>
+          <p:cNvPr id="4" name="TextBox 3">
+            <a:extLst>
+              <a:ext uri="{FF2B5EF4-FFF2-40B4-BE49-F238E27FC236}">
+                <a16:creationId xmlns:a16="http://schemas.microsoft.com/office/drawing/2014/main" id="{BC3D28D6-9569-B0A1-391C-B3BC8B32AEBD}"/>
+              </a:ext>
+            </a:extLst>
+          </p:cNvPr>
+          <p:cNvSpPr txBox="1"/>
+          <p:nvPr/>
+        </p:nvSpPr>
+        <p:spPr>
+          <a:xfrm>
+            <a:off x="1866507" y="2606511"/>
+            <a:ext cx="7808035" cy="3416320"/>
+          </a:xfrm>
+          <a:prstGeom prst="rect">
+            <a:avLst/>
+          </a:prstGeom>
+          <a:noFill/>
+        </p:spPr>
+        <p:txBody>
+          <a:bodyPr wrap="none" rtlCol="0">
+            <a:spAutoFit/>
+          </a:bodyPr>
+          <a:lstStyle/>
+          <a:p>
+            <a:r>
+              <a:rPr lang="fr-FR" dirty="0" err="1"/>
+              <a:t>Libraries</a:t>
+            </a:r>
+            <a:r>
+              <a:rPr lang="fr-FR" dirty="0"/>
+              <a:t> of </a:t>
+            </a:r>
+            <a:r>
+              <a:rPr lang="fr-FR" dirty="0" err="1"/>
+              <a:t>Interrest</a:t>
+            </a:r>
+            <a:r>
+              <a:rPr lang="fr-FR" dirty="0"/>
+              <a:t> :   </a:t>
+            </a:r>
+          </a:p>
+          <a:p>
+            <a:endParaRPr lang="fr-FR" dirty="0"/>
+          </a:p>
+          <a:p>
+            <a:r>
+              <a:rPr lang="fr-FR" dirty="0" err="1"/>
+              <a:t>Guava</a:t>
+            </a:r>
+            <a:r>
+              <a:rPr lang="fr-FR" dirty="0"/>
+              <a:t>   (for Immutable Types )</a:t>
+            </a:r>
+          </a:p>
+          <a:p>
+            <a:endParaRPr lang="fr-FR" dirty="0"/>
+          </a:p>
+          <a:p>
+            <a:r>
+              <a:rPr lang="fr-FR" dirty="0" err="1"/>
+              <a:t>Specialized</a:t>
+            </a:r>
+            <a:r>
+              <a:rPr lang="fr-FR" dirty="0"/>
+              <a:t> data structures for native types  « </a:t>
+            </a:r>
+            <a:r>
+              <a:rPr lang="fr-FR" dirty="0" err="1"/>
+              <a:t>ListInt</a:t>
+            </a:r>
+            <a:r>
+              <a:rPr lang="fr-FR" dirty="0"/>
+              <a:t> » </a:t>
+            </a:r>
+            <a:r>
+              <a:rPr lang="fr-FR" dirty="0" err="1"/>
+              <a:t>instead</a:t>
+            </a:r>
+            <a:r>
+              <a:rPr lang="fr-FR" dirty="0"/>
+              <a:t> of « List&lt;Integer&gt; »</a:t>
+            </a:r>
+          </a:p>
+          <a:p>
+            <a:endParaRPr lang="fr-FR" dirty="0"/>
+          </a:p>
+          <a:p>
+            <a:r>
+              <a:rPr lang="fr-FR" dirty="0" err="1"/>
+              <a:t>Specialized</a:t>
+            </a:r>
+            <a:r>
+              <a:rPr lang="fr-FR" dirty="0"/>
+              <a:t> « Off-</a:t>
+            </a:r>
+            <a:r>
+              <a:rPr lang="fr-FR" dirty="0" err="1"/>
+              <a:t>Heap</a:t>
+            </a:r>
+            <a:r>
+              <a:rPr lang="fr-FR" dirty="0"/>
+              <a:t> Memory » collections … for </a:t>
+            </a:r>
+            <a:r>
+              <a:rPr lang="fr-FR" dirty="0" err="1"/>
+              <a:t>huge</a:t>
+            </a:r>
+            <a:r>
+              <a:rPr lang="fr-FR" dirty="0"/>
+              <a:t> in-memory collections, </a:t>
+            </a:r>
+            <a:br>
+              <a:rPr lang="fr-FR" dirty="0"/>
+            </a:br>
+            <a:r>
+              <a:rPr lang="fr-FR" dirty="0"/>
+              <a:t>     but no GC </a:t>
+            </a:r>
+            <a:r>
+              <a:rPr lang="fr-FR" dirty="0" err="1"/>
+              <a:t>problems</a:t>
+            </a:r>
+            <a:r>
+              <a:rPr lang="fr-FR" dirty="0"/>
+              <a:t> </a:t>
+            </a:r>
+            <a:r>
+              <a:rPr lang="fr-FR" dirty="0" err="1"/>
+              <a:t>with</a:t>
+            </a:r>
+            <a:r>
+              <a:rPr lang="fr-FR" dirty="0"/>
+              <a:t> big </a:t>
+            </a:r>
+            <a:r>
+              <a:rPr lang="fr-FR" dirty="0" err="1"/>
+              <a:t>jvm</a:t>
+            </a:r>
+            <a:r>
+              <a:rPr lang="fr-FR" dirty="0"/>
+              <a:t> </a:t>
+            </a:r>
+            <a:r>
+              <a:rPr lang="fr-FR" dirty="0" err="1"/>
+              <a:t>heap</a:t>
+            </a:r>
+            <a:endParaRPr lang="fr-FR" dirty="0"/>
+          </a:p>
+          <a:p>
+            <a:endParaRPr lang="fr-FR" dirty="0"/>
+          </a:p>
+          <a:p>
+            <a:r>
+              <a:rPr lang="fr-FR" dirty="0" err="1"/>
+              <a:t>Disitributed</a:t>
+            </a:r>
+            <a:r>
+              <a:rPr lang="fr-FR" dirty="0"/>
+              <a:t> collection … Spark </a:t>
+            </a:r>
+            <a:r>
+              <a:rPr lang="fr-FR" dirty="0" err="1"/>
+              <a:t>Datasets</a:t>
+            </a:r>
+            <a:endParaRPr lang="fr-FR" dirty="0"/>
+          </a:p>
+          <a:p>
+            <a:endParaRPr lang="fr-FR" dirty="0"/>
+          </a:p>
+          <a:p>
+            <a:r>
+              <a:rPr lang="fr-FR" dirty="0" err="1"/>
+              <a:t>Specialized</a:t>
+            </a:r>
+            <a:r>
+              <a:rPr lang="fr-FR" dirty="0"/>
+              <a:t> persistent collections  (</a:t>
+            </a:r>
+            <a:r>
+              <a:rPr lang="fr-FR" dirty="0" err="1"/>
+              <a:t>save</a:t>
+            </a:r>
+            <a:r>
+              <a:rPr lang="fr-FR" dirty="0"/>
+              <a:t> to File ~</a:t>
+            </a:r>
+            <a:r>
+              <a:rPr lang="fr-FR" dirty="0" err="1"/>
+              <a:t>Database</a:t>
+            </a:r>
+            <a:r>
+              <a:rPr lang="fr-FR" dirty="0"/>
+              <a:t> ) </a:t>
+            </a:r>
+          </a:p>
+        </p:txBody>
+      </p:sp>
+    </p:spTree>
+    <p:extLst>
+      <p:ext uri="{BB962C8B-B14F-4D97-AF65-F5344CB8AC3E}">
+        <p14:creationId xmlns:p14="http://schemas.microsoft.com/office/powerpoint/2010/main" val="2620056602"/>
+      </p:ext>
+    </p:extLst>
+  </p:cSld>
+  <p:clrMapOvr>
+    <a:masterClrMapping/>
+  </p:clrMapOvr>
+</p:sld>
+</file>
+
+<file path=ppt/slides/slide55.xml><?xml version="1.0" encoding="utf-8"?>
+<p:sld xmlns:a="http://schemas.openxmlformats.org/drawingml/2006/main" xmlns:r="http://schemas.openxmlformats.org/officeDocument/2006/relationships" xmlns:p="http://schemas.openxmlformats.org/presentationml/2006/main">
+  <p:cSld>
+    <p:spTree>
+      <p:nvGrpSpPr>
+        <p:cNvPr id="1" name=""/>
+        <p:cNvGrpSpPr/>
+        <p:nvPr/>
+      </p:nvGrpSpPr>
+      <p:grpSpPr>
+        <a:xfrm>
+          <a:off x="0" y="0"/>
+          <a:ext cx="0" cy="0"/>
+          <a:chOff x="0" y="0"/>
+          <a:chExt cx="0" cy="0"/>
+        </a:xfrm>
+      </p:grpSpPr>
+      <p:sp>
+        <p:nvSpPr>
+          <p:cNvPr id="2" name="Title 1">
+            <a:extLst>
+              <a:ext uri="{FF2B5EF4-FFF2-40B4-BE49-F238E27FC236}">
+                <a16:creationId xmlns:a16="http://schemas.microsoft.com/office/drawing/2014/main" id="{0AD53A85-7187-CF33-28C6-76E8BA0AE3FD}"/>
+              </a:ext>
+            </a:extLst>
+          </p:cNvPr>
+          <p:cNvSpPr>
+            <a:spLocks noGrp="1"/>
+          </p:cNvSpPr>
+          <p:nvPr>
+            <p:ph type="title"/>
+          </p:nvPr>
+        </p:nvSpPr>
+        <p:spPr/>
+        <p:txBody>
+          <a:bodyPr/>
+          <a:lstStyle/>
+          <a:p>
+            <a:pPr algn="ctr"/>
+            <a:r>
+              <a:rPr lang="fr-FR" dirty="0"/>
+              <a:t>More Links: </a:t>
+            </a:r>
+            <a:br>
+              <a:rPr lang="fr-FR" dirty="0"/>
+            </a:br>
+            <a:r>
+              <a:rPr lang="fr-FR" dirty="0"/>
+              <a:t>Books, Google, </a:t>
+            </a:r>
+            <a:r>
+              <a:rPr lang="fr-FR" dirty="0" err="1"/>
+              <a:t>SourceCode</a:t>
+            </a:r>
+            <a:r>
+              <a:rPr lang="fr-FR" dirty="0"/>
+              <a:t>, </a:t>
+            </a:r>
+            <a:r>
+              <a:rPr lang="fr-FR" dirty="0" err="1"/>
+              <a:t>StackOverflow</a:t>
+            </a:r>
+            <a:r>
+              <a:rPr lang="fr-FR" dirty="0"/>
+              <a:t>, … </a:t>
+            </a:r>
+          </a:p>
+        </p:txBody>
+      </p:sp>
+      <p:pic>
+        <p:nvPicPr>
+          <p:cNvPr id="1026" name="Picture 2" descr="best book to learn Algorithms">
+            <a:extLst>
+              <a:ext uri="{FF2B5EF4-FFF2-40B4-BE49-F238E27FC236}">
+                <a16:creationId xmlns:a16="http://schemas.microsoft.com/office/drawing/2014/main" id="{2E7F91E3-BAD5-21EF-C079-1B8174AE5165}"/>
+              </a:ext>
+            </a:extLst>
+          </p:cNvPr>
+          <p:cNvPicPr>
+            <a:picLocks noChangeAspect="1" noChangeArrowheads="1"/>
+          </p:cNvPicPr>
+          <p:nvPr/>
+        </p:nvPicPr>
+        <p:blipFill>
+          <a:blip r:embed="rId2">
+            <a:extLst>
+              <a:ext uri="{28A0092B-C50C-407E-A947-70E740481C1C}">
+                <a14:useLocalDpi xmlns:a14="http://schemas.microsoft.com/office/drawing/2010/main" val="0"/>
+              </a:ext>
+            </a:extLst>
+          </a:blip>
+          <a:srcRect/>
+          <a:stretch>
+            <a:fillRect/>
+          </a:stretch>
+        </p:blipFill>
+        <p:spPr bwMode="auto">
+          <a:xfrm>
+            <a:off x="3455478" y="2144597"/>
+            <a:ext cx="2359118" cy="2926038"/>
+          </a:xfrm>
+          <a:prstGeom prst="rect">
+            <a:avLst/>
+          </a:prstGeom>
+          <a:noFill/>
+          <a:extLst>
+            <a:ext uri="{909E8E84-426E-40DD-AFC4-6F175D3DCCD1}">
+              <a14:hiddenFill xmlns:a14="http://schemas.microsoft.com/office/drawing/2010/main">
+                <a:solidFill>
+                  <a:srgbClr val="FFFFFF"/>
+                </a:solidFill>
+              </a14:hiddenFill>
+            </a:ext>
+          </a:extLst>
+        </p:spPr>
+      </p:pic>
+      <p:pic>
+        <p:nvPicPr>
+          <p:cNvPr id="1028" name="Picture 4" descr="best algorihtm book for programmers">
+            <a:extLst>
+              <a:ext uri="{FF2B5EF4-FFF2-40B4-BE49-F238E27FC236}">
+                <a16:creationId xmlns:a16="http://schemas.microsoft.com/office/drawing/2014/main" id="{6F9E6301-7F3A-7030-9B3E-5AE689FBCD38}"/>
+              </a:ext>
+            </a:extLst>
+          </p:cNvPr>
+          <p:cNvPicPr>
+            <a:picLocks noChangeAspect="1" noChangeArrowheads="1"/>
+          </p:cNvPicPr>
+          <p:nvPr/>
+        </p:nvPicPr>
+        <p:blipFill>
+          <a:blip r:embed="rId3">
+            <a:extLst>
+              <a:ext uri="{28A0092B-C50C-407E-A947-70E740481C1C}">
+                <a14:useLocalDpi xmlns:a14="http://schemas.microsoft.com/office/drawing/2010/main" val="0"/>
+              </a:ext>
+            </a:extLst>
+          </a:blip>
+          <a:srcRect/>
+          <a:stretch>
+            <a:fillRect/>
+          </a:stretch>
+        </p:blipFill>
+        <p:spPr bwMode="auto">
+          <a:xfrm>
+            <a:off x="598602" y="2144597"/>
+            <a:ext cx="2243580" cy="2926038"/>
+          </a:xfrm>
+          <a:prstGeom prst="rect">
+            <a:avLst/>
+          </a:prstGeom>
+          <a:noFill/>
+          <a:extLst>
+            <a:ext uri="{909E8E84-426E-40DD-AFC4-6F175D3DCCD1}">
+              <a14:hiddenFill xmlns:a14="http://schemas.microsoft.com/office/drawing/2010/main">
+                <a:solidFill>
+                  <a:srgbClr val="FFFFFF"/>
+                </a:solidFill>
+              </a14:hiddenFill>
+            </a:ext>
+          </a:extLst>
+        </p:spPr>
+      </p:pic>
+      <p:pic>
+        <p:nvPicPr>
+          <p:cNvPr id="1030" name="Picture 6" descr="best book to learn Algorithms Design">
+            <a:extLst>
+              <a:ext uri="{FF2B5EF4-FFF2-40B4-BE49-F238E27FC236}">
+                <a16:creationId xmlns:a16="http://schemas.microsoft.com/office/drawing/2014/main" id="{6E6BD339-603D-6C17-5887-57C0519257B0}"/>
+              </a:ext>
+            </a:extLst>
+          </p:cNvPr>
+          <p:cNvPicPr>
+            <a:picLocks noChangeAspect="1" noChangeArrowheads="1"/>
+          </p:cNvPicPr>
+          <p:nvPr/>
+        </p:nvPicPr>
+        <p:blipFill>
+          <a:blip r:embed="rId4">
+            <a:extLst>
+              <a:ext uri="{28A0092B-C50C-407E-A947-70E740481C1C}">
+                <a14:useLocalDpi xmlns:a14="http://schemas.microsoft.com/office/drawing/2010/main" val="0"/>
+              </a:ext>
+            </a:extLst>
+          </a:blip>
+          <a:srcRect/>
+          <a:stretch>
+            <a:fillRect/>
+          </a:stretch>
+        </p:blipFill>
+        <p:spPr bwMode="auto">
+          <a:xfrm>
+            <a:off x="6096000" y="2175875"/>
+            <a:ext cx="2017286" cy="2894760"/>
+          </a:xfrm>
+          <a:prstGeom prst="rect">
+            <a:avLst/>
+          </a:prstGeom>
+          <a:noFill/>
+          <a:extLst>
+            <a:ext uri="{909E8E84-426E-40DD-AFC4-6F175D3DCCD1}">
+              <a14:hiddenFill xmlns:a14="http://schemas.microsoft.com/office/drawing/2010/main">
+                <a:solidFill>
+                  <a:srgbClr val="FFFFFF"/>
+                </a:solidFill>
+              </a14:hiddenFill>
+            </a:ext>
+          </a:extLst>
+        </p:spPr>
+      </p:pic>
+      <p:pic>
+        <p:nvPicPr>
+          <p:cNvPr id="1032" name="Picture 8">
+            <a:extLst>
+              <a:ext uri="{FF2B5EF4-FFF2-40B4-BE49-F238E27FC236}">
+                <a16:creationId xmlns:a16="http://schemas.microsoft.com/office/drawing/2014/main" id="{6D336763-F934-9DAA-0F5B-FD3B8DA76604}"/>
+              </a:ext>
+            </a:extLst>
+          </p:cNvPr>
+          <p:cNvPicPr>
+            <a:picLocks noChangeAspect="1" noChangeArrowheads="1"/>
+          </p:cNvPicPr>
+          <p:nvPr/>
+        </p:nvPicPr>
+        <p:blipFill>
+          <a:blip r:embed="rId5">
+            <a:extLst>
+              <a:ext uri="{28A0092B-C50C-407E-A947-70E740481C1C}">
+                <a14:useLocalDpi xmlns:a14="http://schemas.microsoft.com/office/drawing/2010/main" val="0"/>
+              </a:ext>
+            </a:extLst>
+          </a:blip>
+          <a:srcRect/>
+          <a:stretch>
+            <a:fillRect/>
+          </a:stretch>
+        </p:blipFill>
+        <p:spPr bwMode="auto">
+          <a:xfrm>
+            <a:off x="8394690" y="2119092"/>
+            <a:ext cx="3525454" cy="2951543"/>
+          </a:xfrm>
+          <a:prstGeom prst="rect">
+            <a:avLst/>
+          </a:prstGeom>
+          <a:noFill/>
+          <a:extLst>
+            <a:ext uri="{909E8E84-426E-40DD-AFC4-6F175D3DCCD1}">
+              <a14:hiddenFill xmlns:a14="http://schemas.microsoft.com/office/drawing/2010/main">
+                <a:solidFill>
+                  <a:srgbClr val="FFFFFF"/>
+                </a:solidFill>
+              </a14:hiddenFill>
+            </a:ext>
+          </a:extLst>
+        </p:spPr>
+      </p:pic>
+    </p:spTree>
+    <p:extLst>
+      <p:ext uri="{BB962C8B-B14F-4D97-AF65-F5344CB8AC3E}">
+        <p14:creationId xmlns:p14="http://schemas.microsoft.com/office/powerpoint/2010/main" val="3964332629"/>
+      </p:ext>
+    </p:extLst>
+  </p:cSld>
+  <p:clrMapOvr>
+    <a:masterClrMapping/>
+  </p:clrMapOvr>
+</p:sld>
+</file>
+
+<file path=ppt/slides/slide56.xml><?xml version="1.0" encoding="utf-8"?>
+<p:sld xmlns:a="http://schemas.openxmlformats.org/drawingml/2006/main" xmlns:r="http://schemas.openxmlformats.org/officeDocument/2006/relationships" xmlns:p="http://schemas.openxmlformats.org/presentationml/2006/main">
+  <p:cSld>
+    <p:spTree>
+      <p:nvGrpSpPr>
+        <p:cNvPr id="1" name=""/>
+        <p:cNvGrpSpPr/>
+        <p:nvPr/>
+      </p:nvGrpSpPr>
+      <p:grpSpPr>
+        <a:xfrm>
+          <a:off x="0" y="0"/>
+          <a:ext cx="0" cy="0"/>
+          <a:chOff x="0" y="0"/>
+          <a:chExt cx="0" cy="0"/>
+        </a:xfrm>
+      </p:grpSpPr>
+      <p:sp>
+        <p:nvSpPr>
+          <p:cNvPr id="2" name="Title 1">
+            <a:extLst>
+              <a:ext uri="{FF2B5EF4-FFF2-40B4-BE49-F238E27FC236}">
+                <a16:creationId xmlns:a16="http://schemas.microsoft.com/office/drawing/2014/main" id="{C57B91B7-5483-1D20-86A7-AB1794D1DD18}"/>
+              </a:ext>
+            </a:extLst>
+          </p:cNvPr>
+          <p:cNvSpPr>
+            <a:spLocks noGrp="1"/>
+          </p:cNvSpPr>
+          <p:nvPr>
+            <p:ph type="title"/>
+          </p:nvPr>
+        </p:nvSpPr>
+        <p:spPr>
+          <a:xfrm>
+            <a:off x="960749" y="2820937"/>
             <a:ext cx="10515600" cy="1130762"/>
           </a:xfrm>
         </p:spPr>
         <p:txBody>
           <a:bodyPr>
-            <a:normAutofit fontScale="90000"/>
+            <a:normAutofit/>
           </a:bodyPr>
           <a:lstStyle/>
           <a:p>
             <a:pPr algn="ctr"/>
             <a:r>
               <a:rPr lang="fr-FR" dirty="0"/>
-              <a:t>More </a:t>
-            </a:r>
-            <a:r>
-              <a:rPr lang="fr-FR" dirty="0" err="1"/>
-              <a:t>general</a:t>
-            </a:r>
-            <a:r>
-              <a:rPr lang="fr-FR" dirty="0"/>
-              <a:t> </a:t>
-            </a:r>
-            <a:r>
-              <a:rPr lang="fr-FR" dirty="0" err="1"/>
-              <a:t>algorithm</a:t>
-            </a:r>
-            <a:r>
-              <a:rPr lang="fr-FR" dirty="0"/>
-              <a:t>:</a:t>
-            </a:r>
-            <a:br>
-              <a:rPr lang="fr-FR" dirty="0"/>
-            </a:br>
-            <a:r>
-              <a:rPr lang="fr-FR" dirty="0"/>
-              <a:t>« Dynamic </a:t>
-            </a:r>
-            <a:r>
-              <a:rPr lang="fr-FR" dirty="0" err="1"/>
-              <a:t>Programming</a:t>
-            </a:r>
-            <a:r>
-              <a:rPr lang="fr-FR" dirty="0"/>
-              <a:t> » </a:t>
-            </a:r>
-            <a:r>
-              <a:rPr lang="fr-FR"/>
-              <a:t>technics</a:t>
-            </a:r>
-            <a:endParaRPr lang="fr-FR" dirty="0"/>
+              <a:t>Questions ?</a:t>
+            </a:r>
           </a:p>
         </p:txBody>
       </p:sp>

--- a/java/Basic-Data-Structures.pptx
+++ b/java/Basic-Data-Structures.pptx
@@ -316,7 +316,7 @@
           <a:p>
             <a:fld id="{E67258AF-8441-446A-9905-92E95BA67B8F}" type="datetimeFigureOut">
               <a:rPr lang="fr-FR" smtClean="0"/>
-              <a:t>30/07/2022</a:t>
+              <a:t>02/08/2022</a:t>
             </a:fld>
             <a:endParaRPr lang="fr-FR"/>
           </a:p>
@@ -516,7 +516,7 @@
           <a:p>
             <a:fld id="{E67258AF-8441-446A-9905-92E95BA67B8F}" type="datetimeFigureOut">
               <a:rPr lang="fr-FR" smtClean="0"/>
-              <a:t>30/07/2022</a:t>
+              <a:t>02/08/2022</a:t>
             </a:fld>
             <a:endParaRPr lang="fr-FR"/>
           </a:p>
@@ -726,7 +726,7 @@
           <a:p>
             <a:fld id="{E67258AF-8441-446A-9905-92E95BA67B8F}" type="datetimeFigureOut">
               <a:rPr lang="fr-FR" smtClean="0"/>
-              <a:t>30/07/2022</a:t>
+              <a:t>02/08/2022</a:t>
             </a:fld>
             <a:endParaRPr lang="fr-FR"/>
           </a:p>
@@ -926,7 +926,7 @@
           <a:p>
             <a:fld id="{E67258AF-8441-446A-9905-92E95BA67B8F}" type="datetimeFigureOut">
               <a:rPr lang="fr-FR" smtClean="0"/>
-              <a:t>30/07/2022</a:t>
+              <a:t>02/08/2022</a:t>
             </a:fld>
             <a:endParaRPr lang="fr-FR"/>
           </a:p>
@@ -1202,7 +1202,7 @@
           <a:p>
             <a:fld id="{E67258AF-8441-446A-9905-92E95BA67B8F}" type="datetimeFigureOut">
               <a:rPr lang="fr-FR" smtClean="0"/>
-              <a:t>30/07/2022</a:t>
+              <a:t>02/08/2022</a:t>
             </a:fld>
             <a:endParaRPr lang="fr-FR"/>
           </a:p>
@@ -1470,7 +1470,7 @@
           <a:p>
             <a:fld id="{E67258AF-8441-446A-9905-92E95BA67B8F}" type="datetimeFigureOut">
               <a:rPr lang="fr-FR" smtClean="0"/>
-              <a:t>30/07/2022</a:t>
+              <a:t>02/08/2022</a:t>
             </a:fld>
             <a:endParaRPr lang="fr-FR"/>
           </a:p>
@@ -1885,7 +1885,7 @@
           <a:p>
             <a:fld id="{E67258AF-8441-446A-9905-92E95BA67B8F}" type="datetimeFigureOut">
               <a:rPr lang="fr-FR" smtClean="0"/>
-              <a:t>30/07/2022</a:t>
+              <a:t>02/08/2022</a:t>
             </a:fld>
             <a:endParaRPr lang="fr-FR"/>
           </a:p>
@@ -2027,7 +2027,7 @@
           <a:p>
             <a:fld id="{E67258AF-8441-446A-9905-92E95BA67B8F}" type="datetimeFigureOut">
               <a:rPr lang="fr-FR" smtClean="0"/>
-              <a:t>30/07/2022</a:t>
+              <a:t>02/08/2022</a:t>
             </a:fld>
             <a:endParaRPr lang="fr-FR"/>
           </a:p>
@@ -2140,7 +2140,7 @@
           <a:p>
             <a:fld id="{E67258AF-8441-446A-9905-92E95BA67B8F}" type="datetimeFigureOut">
               <a:rPr lang="fr-FR" smtClean="0"/>
-              <a:t>30/07/2022</a:t>
+              <a:t>02/08/2022</a:t>
             </a:fld>
             <a:endParaRPr lang="fr-FR"/>
           </a:p>
@@ -2453,7 +2453,7 @@
           <a:p>
             <a:fld id="{E67258AF-8441-446A-9905-92E95BA67B8F}" type="datetimeFigureOut">
               <a:rPr lang="fr-FR" smtClean="0"/>
-              <a:t>30/07/2022</a:t>
+              <a:t>02/08/2022</a:t>
             </a:fld>
             <a:endParaRPr lang="fr-FR"/>
           </a:p>
@@ -2742,7 +2742,7 @@
           <a:p>
             <a:fld id="{E67258AF-8441-446A-9905-92E95BA67B8F}" type="datetimeFigureOut">
               <a:rPr lang="fr-FR" smtClean="0"/>
-              <a:t>30/07/2022</a:t>
+              <a:t>02/08/2022</a:t>
             </a:fld>
             <a:endParaRPr lang="fr-FR"/>
           </a:p>
@@ -2985,7 +2985,7 @@
           <a:p>
             <a:fld id="{E67258AF-8441-446A-9905-92E95BA67B8F}" type="datetimeFigureOut">
               <a:rPr lang="fr-FR" smtClean="0"/>
-              <a:t>30/07/2022</a:t>
+              <a:t>02/08/2022</a:t>
             </a:fld>
             <a:endParaRPr lang="fr-FR"/>
           </a:p>
@@ -16798,7 +16798,7 @@
             </a:r>
             <a:r>
               <a:rPr lang="fr-FR" sz="2800" dirty="0" err="1"/>
-              <a:t>Sometime</a:t>
+              <a:t>Sometimes</a:t>
             </a:r>
             <a:r>
               <a:rPr lang="fr-FR" sz="2800" dirty="0"/>
